--- a/micro3.pptx
+++ b/micro3.pptx
@@ -104,6 +104,11 @@
       </a:defRPr>
     </a:lvl9pPr>
   </p:defaultTextStyle>
+  <p:extLst>
+    <p:ext uri="{EFAFB233-063F-42B5-8137-9DF3F51BA10A}">
+      <p15:sldGuideLst xmlns:p15="http://schemas.microsoft.com/office/powerpoint/2012/main"/>
+    </p:ext>
+  </p:extLst>
 </p:presentation>
 </file>
 
@@ -3369,7 +3374,7 @@
         <p:spPr/>
         <p:txBody>
           <a:bodyPr>
-            <a:normAutofit lnSpcReduction="10000"/>
+            <a:normAutofit fontScale="40000" lnSpcReduction="20000"/>
           </a:bodyPr>
           <a:lstStyle/>
           <a:p>
@@ -3394,9 +3399,31 @@
           </a:p>
           <a:p>
             <a:r>
-              <a:rPr lang="en-US"/>
-              <a:t>bbbbbbbbbbbbbbbbbbbbbbbbbbbbbbbbbbbbbbbbbbbbbbbbbbb</a:t>
-            </a:r>
+              <a:rPr lang="en-US" dirty="0" err="1"/>
+              <a:t>Bbbbbbbbbbbbbbbbbbbbbbbbbbbbbbbbbbbbbbbbbbbbbbbbbbb</a:t>
+            </a:r>
+            <a:endParaRPr lang="en-US" dirty="0"/>
+          </a:p>
+          <a:p>
+            <a:r>
+              <a:rPr lang="en-US" dirty="0" err="1"/>
+              <a:t>Dfffffffffffffffffffffffffffffffff</a:t>
+            </a:r>
+            <a:endParaRPr lang="en-US" dirty="0"/>
+          </a:p>
+          <a:p>
+            <a:r>
+              <a:rPr lang="en-US" dirty="0" err="1"/>
+              <a:t>Bbbbbbbbbbbbbbbbbbbbbbbbbb</a:t>
+            </a:r>
+            <a:endParaRPr lang="en-US" dirty="0"/>
+          </a:p>
+          <a:p>
+            <a:r>
+              <a:rPr lang="en-US"/>
+              <a:t>hhhhhhhhhhhhhhhhhhhhhhhhhhhhhhhhhhh</a:t>
+            </a:r>
+            <a:endParaRPr lang="en-US" dirty="0"/>
           </a:p>
         </p:txBody>
       </p:sp>
